--- a/slides/05-TDD-String-Calculator-Kata-Lab-JavaScript.pptx
+++ b/slides/05-TDD-String-Calculator-Kata-Lab-JavaScript.pptx
@@ -10688,9 +10688,10 @@
               </a:tabLst>
             </a:pPr>
             <a:r>
-              <a:rPr lang="en-GB" sz="3000" dirty="0"/>
-              <a:t>John Hunt</a:t>
-            </a:r>
+              <a:rPr lang="en-GB" sz="3000"/>
+              <a:t>Kevin Cunningham</a:t>
+            </a:r>
+            <a:endParaRPr lang="en-GB" sz="3000" dirty="0"/>
           </a:p>
           <a:p>
             <a:pPr marL="0" indent="0" algn="ctr" eaLnBrk="1" hangingPunct="1">
